--- a/Präsentation/Endpräsentation.pptx
+++ b/Präsentation/Endpräsentation.pptx
@@ -13,7 +13,7 @@
     <p:sldId id="266" r:id="rId4"/>
     <p:sldId id="260" r:id="rId5"/>
     <p:sldId id="267" r:id="rId6"/>
-    <p:sldId id="268" r:id="rId7"/>
+    <p:sldId id="259" r:id="rId7"/>
     <p:sldId id="269" r:id="rId8"/>
     <p:sldId id="264" r:id="rId9"/>
   </p:sldIdLst>
@@ -204,7 +204,7 @@
           <a:p>
             <a:fld id="{D1AEE69C-A511-489D-9735-98F84310A8BC}" type="datetimeFigureOut">
               <a:rPr lang="de-DE" smtClean="0"/>
-              <a:t>23.03.2019</a:t>
+              <a:t>24.03.2019</a:t>
             </a:fld>
             <a:endParaRPr lang="de-DE"/>
           </a:p>
@@ -1104,108 +1104,48 @@
           <a:p>
             <a:r>
               <a:rPr lang="de-DE" dirty="0"/>
-              <a:t>Kernfunktionalität zu 100%</a:t>
-            </a:r>
+              <a:t>Zuerst: Was ist unsere Architektur nochmal ? Warum ist dass für Sie wichtig zu wissen ? Möchte Sie natürlich nicht langweilig mit technischen Details, deshalb nur kurz. </a:t>
+            </a:r>
+          </a:p>
+          <a:p>
+            <a:endParaRPr lang="de-DE" dirty="0"/>
           </a:p>
           <a:p>
             <a:r>
               <a:rPr lang="de-DE" dirty="0"/>
-              <a:t>Sprint 1 (Fahrzeug ausleihen): Fertigstellung 12.03</a:t>
-            </a:r>
-          </a:p>
-          <a:p>
+              <a:t>Der Grund für die Aufteilung hat für uns 2 Gründe zum einen die Pair </a:t>
+            </a:r>
+            <a:r>
+              <a:rPr lang="de-DE" dirty="0" err="1"/>
+              <a:t>Programming</a:t>
+            </a:r>
             <a:r>
               <a:rPr lang="de-DE" dirty="0"/>
-              <a:t>Sprint 2 (Fahrzeug zurückgeben): Fertigstellung 15.03</a:t>
-            </a:r>
-          </a:p>
-          <a:p>
-            <a:pPr marL="0" marR="0" lvl="0" indent="0" algn="l" defTabSz="914400" rtl="0" eaLnBrk="1" fontAlgn="auto" latinLnBrk="0" hangingPunct="1">
-              <a:lnSpc>
-                <a:spcPct val="100000"/>
-              </a:lnSpc>
-              <a:spcBef>
-                <a:spcPts val="0"/>
-              </a:spcBef>
-              <a:spcAft>
-                <a:spcPts val="0"/>
-              </a:spcAft>
-              <a:buClrTx/>
-              <a:buSzTx/>
-              <a:buFontTx/>
-              <a:buNone/>
-              <a:tabLst/>
-              <a:defRPr/>
-            </a:pPr>
+              <a:t> „Funktion“ und zum anderen die Wartbarkeit für die Zukunft. </a:t>
+            </a:r>
+          </a:p>
+          <a:p>
             <a:r>
               <a:rPr lang="de-DE" dirty="0"/>
-              <a:t>Sprint 3 (Fahrzeug hinzufügen): Fertigstellung 17.03</a:t>
-            </a:r>
-          </a:p>
-          <a:p>
-            <a:pPr marL="0" marR="0" lvl="0" indent="0" algn="l" defTabSz="914400" rtl="0" eaLnBrk="1" fontAlgn="auto" latinLnBrk="0" hangingPunct="1">
-              <a:lnSpc>
-                <a:spcPct val="100000"/>
-              </a:lnSpc>
-              <a:spcBef>
-                <a:spcPts val="0"/>
-              </a:spcBef>
-              <a:spcAft>
-                <a:spcPts val="0"/>
-              </a:spcAft>
-              <a:buClrTx/>
-              <a:buSzTx/>
-              <a:buFontTx/>
-              <a:buNone/>
-              <a:tabLst/>
-              <a:defRPr/>
-            </a:pPr>
+              <a:t>Der Soll / Ist Zustand:  JSP / Servlets / Enterprise Java </a:t>
+            </a:r>
+            <a:r>
+              <a:rPr lang="de-DE" dirty="0" err="1"/>
+              <a:t>Beans</a:t>
+            </a:r>
             <a:r>
               <a:rPr lang="de-DE" dirty="0"/>
-              <a:t>Sprint 4 (Fahrzeug ausbuchen): Fertigstellung 18.03</a:t>
-            </a:r>
-          </a:p>
-          <a:p>
-            <a:pPr marL="0" marR="0" lvl="0" indent="0" algn="l" defTabSz="914400" rtl="0" eaLnBrk="1" fontAlgn="auto" latinLnBrk="0" hangingPunct="1">
-              <a:lnSpc>
-                <a:spcPct val="100000"/>
-              </a:lnSpc>
-              <a:spcBef>
-                <a:spcPts val="0"/>
-              </a:spcBef>
-              <a:spcAft>
-                <a:spcPts val="0"/>
-              </a:spcAft>
-              <a:buClrTx/>
-              <a:buSzTx/>
-              <a:buFontTx/>
-              <a:buNone/>
-              <a:tabLst/>
-              <a:defRPr/>
-            </a:pPr>
-            <a:r>
+              <a:t> = JSP / Servlets / EJB. Alles eingehalten und der geplante Rahmen wurde nicht gebrochen. </a:t>
+            </a:r>
+            <a:br>
               <a:rPr lang="de-DE" dirty="0"/>
-              <a:t>Sprint 5 (Benutzerverwaltung): Fertigstellung 25.03</a:t>
-            </a:r>
-          </a:p>
-          <a:p>
-            <a:pPr marL="0" marR="0" lvl="0" indent="0" algn="l" defTabSz="914400" rtl="0" eaLnBrk="1" fontAlgn="auto" latinLnBrk="0" hangingPunct="1">
-              <a:lnSpc>
-                <a:spcPct val="100000"/>
-              </a:lnSpc>
-              <a:spcBef>
-                <a:spcPts val="0"/>
-              </a:spcBef>
-              <a:spcAft>
-                <a:spcPts val="0"/>
-              </a:spcAft>
-              <a:buClrTx/>
-              <a:buSzTx/>
-              <a:buFontTx/>
-              <a:buNone/>
-              <a:tabLst/>
-              <a:defRPr/>
-            </a:pPr>
+            </a:br>
+            <a:r>
+              <a:rPr lang="de-DE" dirty="0"/>
+              <a:t>Dadurch haben alle Mitglieder eine geregelte Inhaltliche Abteilung in der Sie arbeiten konnten und zusätzlich hat die Wartbarkeit für die Zukunft bzw. für uns aktuell einen großen Vorteil gezeigt. </a:t>
+            </a:r>
+          </a:p>
+          <a:p>
             <a:endParaRPr lang="de-DE" dirty="0"/>
           </a:p>
           <a:p>
@@ -1239,7 +1179,7 @@
     </p:spTree>
     <p:extLst>
       <p:ext uri="{BB962C8B-B14F-4D97-AF65-F5344CB8AC3E}">
-        <p14:creationId xmlns:p14="http://schemas.microsoft.com/office/powerpoint/2010/main" val="2878446429"/>
+        <p14:creationId xmlns:p14="http://schemas.microsoft.com/office/powerpoint/2010/main" val="472776049"/>
       </p:ext>
     </p:extLst>
   </p:cSld>
@@ -10560,8 +10500,8 @@
         </p:nvSpPr>
         <p:spPr>
           <a:xfrm>
-            <a:off x="684212" y="3429000"/>
-            <a:ext cx="8534400" cy="1697400"/>
+            <a:off x="684212" y="4389394"/>
+            <a:ext cx="8661124" cy="737005"/>
           </a:xfrm>
         </p:spPr>
         <p:txBody>
@@ -10591,6 +10531,929 @@
             <p:ph type="body" idx="1"/>
           </p:nvPr>
         </p:nvSpPr>
+        <p:spPr/>
+        <p:txBody>
+          <a:bodyPr/>
+          <a:lstStyle/>
+          <a:p>
+            <a:r>
+              <a:rPr lang="de-DE" b="1" dirty="0"/>
+              <a:t>Dominik Kunzmann / IT-Architekt</a:t>
+            </a:r>
+          </a:p>
+        </p:txBody>
+      </p:sp>
+      <p:sp>
+        <p:nvSpPr>
+          <p:cNvPr id="2" name="Fußzeilenplatzhalter 1">
+            <a:extLst>
+              <a:ext uri="{FF2B5EF4-FFF2-40B4-BE49-F238E27FC236}">
+                <a16:creationId xmlns:a16="http://schemas.microsoft.com/office/drawing/2014/main" id="{FEE19599-E843-4699-BB14-BFFA47EE594B}"/>
+              </a:ext>
+            </a:extLst>
+          </p:cNvPr>
+          <p:cNvSpPr>
+            <a:spLocks noGrp="1"/>
+          </p:cNvSpPr>
+          <p:nvPr>
+            <p:ph type="ftr" sz="quarter" idx="11"/>
+          </p:nvPr>
+        </p:nvSpPr>
+        <p:spPr/>
+        <p:txBody>
+          <a:bodyPr/>
+          <a:lstStyle/>
+          <a:p>
+            <a:r>
+              <a:rPr lang="en-US"/>
+              <a:t>KA-Share</a:t>
+            </a:r>
+            <a:endParaRPr lang="en-US" dirty="0"/>
+          </a:p>
+        </p:txBody>
+      </p:sp>
+      <p:sp>
+        <p:nvSpPr>
+          <p:cNvPr id="3" name="Datumsplatzhalter 2">
+            <a:extLst>
+              <a:ext uri="{FF2B5EF4-FFF2-40B4-BE49-F238E27FC236}">
+                <a16:creationId xmlns:a16="http://schemas.microsoft.com/office/drawing/2014/main" id="{4C0874B5-6CE0-4569-96F9-A299B8752E77}"/>
+              </a:ext>
+            </a:extLst>
+          </p:cNvPr>
+          <p:cNvSpPr>
+            <a:spLocks noGrp="1"/>
+          </p:cNvSpPr>
+          <p:nvPr>
+            <p:ph type="dt" sz="half" idx="10"/>
+          </p:nvPr>
+        </p:nvSpPr>
+        <p:spPr/>
+        <p:txBody>
+          <a:bodyPr/>
+          <a:lstStyle/>
+          <a:p>
+            <a:r>
+              <a:rPr lang="de-DE" dirty="0"/>
+              <a:t>25.03.2019</a:t>
+            </a:r>
+            <a:endParaRPr lang="en-US" dirty="0"/>
+          </a:p>
+        </p:txBody>
+      </p:sp>
+      <p:pic>
+        <p:nvPicPr>
+          <p:cNvPr id="6" name="Grafik 5" descr="Auto">
+            <a:extLst>
+              <a:ext uri="{FF2B5EF4-FFF2-40B4-BE49-F238E27FC236}">
+                <a16:creationId xmlns:a16="http://schemas.microsoft.com/office/drawing/2014/main" id="{60F30CBD-42F4-4C44-974C-BC1991F6839A}"/>
+              </a:ext>
+            </a:extLst>
+          </p:cNvPr>
+          <p:cNvPicPr>
+            <a:picLocks noChangeAspect="1"/>
+          </p:cNvPicPr>
+          <p:nvPr/>
+        </p:nvPicPr>
+        <p:blipFill>
+          <a:blip r:embed="rId3">
+            <a:extLst>
+              <a:ext uri="{96DAC541-7B7A-43D3-8B79-37D633B846F1}">
+                <asvg:svgBlip xmlns:asvg="http://schemas.microsoft.com/office/drawing/2016/SVG/main" r:embed="rId4"/>
+              </a:ext>
+            </a:extLst>
+          </a:blip>
+          <a:stretch>
+            <a:fillRect/>
+          </a:stretch>
+        </p:blipFill>
+        <p:spPr>
+          <a:xfrm rot="18952507">
+            <a:off x="10890173" y="2415118"/>
+            <a:ext cx="1228875" cy="1228875"/>
+          </a:xfrm>
+          <a:prstGeom prst="rect">
+            <a:avLst/>
+          </a:prstGeom>
+        </p:spPr>
+      </p:pic>
+      <p:sp>
+        <p:nvSpPr>
+          <p:cNvPr id="7" name="Foliennummernplatzhalter 6">
+            <a:extLst>
+              <a:ext uri="{FF2B5EF4-FFF2-40B4-BE49-F238E27FC236}">
+                <a16:creationId xmlns:a16="http://schemas.microsoft.com/office/drawing/2014/main" id="{53C64041-F474-4836-AAA7-EDDA382CA278}"/>
+              </a:ext>
+            </a:extLst>
+          </p:cNvPr>
+          <p:cNvSpPr>
+            <a:spLocks noGrp="1"/>
+          </p:cNvSpPr>
+          <p:nvPr>
+            <p:ph type="sldNum" sz="quarter" idx="12"/>
+          </p:nvPr>
+        </p:nvSpPr>
+        <p:spPr/>
+        <p:txBody>
+          <a:bodyPr/>
+          <a:lstStyle/>
+          <a:p>
+            <a:fld id="{D57F1E4F-1CFF-5643-939E-217C01CDF565}" type="slidenum">
+              <a:rPr lang="en-US" smtClean="0"/>
+              <a:pPr/>
+              <a:t>6</a:t>
+            </a:fld>
+            <a:endParaRPr lang="en-US" dirty="0"/>
+          </a:p>
+        </p:txBody>
+      </p:sp>
+      <p:pic>
+        <p:nvPicPr>
+          <p:cNvPr id="9" name="Grafik 8" descr="Benutzer">
+            <a:extLst>
+              <a:ext uri="{FF2B5EF4-FFF2-40B4-BE49-F238E27FC236}">
+                <a16:creationId xmlns:a16="http://schemas.microsoft.com/office/drawing/2014/main" id="{F7BE0C6A-5A4D-43CB-B9F3-E9D33B9BE999}"/>
+              </a:ext>
+            </a:extLst>
+          </p:cNvPr>
+          <p:cNvPicPr>
+            <a:picLocks noChangeAspect="1"/>
+          </p:cNvPicPr>
+          <p:nvPr/>
+        </p:nvPicPr>
+        <p:blipFill>
+          <a:blip r:embed="rId5">
+            <a:extLst>
+              <a:ext uri="{96DAC541-7B7A-43D3-8B79-37D633B846F1}">
+                <asvg:svgBlip xmlns:asvg="http://schemas.microsoft.com/office/drawing/2016/SVG/main" r:embed="rId6"/>
+              </a:ext>
+            </a:extLst>
+          </a:blip>
+          <a:stretch>
+            <a:fillRect/>
+          </a:stretch>
+        </p:blipFill>
+        <p:spPr>
+          <a:xfrm>
+            <a:off x="1554521" y="591939"/>
+            <a:ext cx="914400" cy="914400"/>
+          </a:xfrm>
+          <a:prstGeom prst="rect">
+            <a:avLst/>
+          </a:prstGeom>
+        </p:spPr>
+      </p:pic>
+      <p:pic>
+        <p:nvPicPr>
+          <p:cNvPr id="10" name="Grafik 9" descr="Benutzer">
+            <a:extLst>
+              <a:ext uri="{FF2B5EF4-FFF2-40B4-BE49-F238E27FC236}">
+                <a16:creationId xmlns:a16="http://schemas.microsoft.com/office/drawing/2014/main" id="{E0C2D39B-4E07-4BB1-89A7-40CC38A76ABD}"/>
+              </a:ext>
+            </a:extLst>
+          </p:cNvPr>
+          <p:cNvPicPr>
+            <a:picLocks noChangeAspect="1"/>
+          </p:cNvPicPr>
+          <p:nvPr/>
+        </p:nvPicPr>
+        <p:blipFill>
+          <a:blip r:embed="rId5">
+            <a:extLst>
+              <a:ext uri="{96DAC541-7B7A-43D3-8B79-37D633B846F1}">
+                <asvg:svgBlip xmlns:asvg="http://schemas.microsoft.com/office/drawing/2016/SVG/main" r:embed="rId6"/>
+              </a:ext>
+            </a:extLst>
+          </a:blip>
+          <a:stretch>
+            <a:fillRect/>
+          </a:stretch>
+        </p:blipFill>
+        <p:spPr>
+          <a:xfrm>
+            <a:off x="750842" y="1828153"/>
+            <a:ext cx="914400" cy="914400"/>
+          </a:xfrm>
+          <a:prstGeom prst="rect">
+            <a:avLst/>
+          </a:prstGeom>
+        </p:spPr>
+      </p:pic>
+      <p:pic>
+        <p:nvPicPr>
+          <p:cNvPr id="11" name="Grafik 10" descr="Benutzer">
+            <a:extLst>
+              <a:ext uri="{FF2B5EF4-FFF2-40B4-BE49-F238E27FC236}">
+                <a16:creationId xmlns:a16="http://schemas.microsoft.com/office/drawing/2014/main" id="{D1E46FD0-CE5F-4746-B18F-4E507E6BB556}"/>
+              </a:ext>
+            </a:extLst>
+          </p:cNvPr>
+          <p:cNvPicPr>
+            <a:picLocks noChangeAspect="1"/>
+          </p:cNvPicPr>
+          <p:nvPr/>
+        </p:nvPicPr>
+        <p:blipFill>
+          <a:blip r:embed="rId5">
+            <a:extLst>
+              <a:ext uri="{96DAC541-7B7A-43D3-8B79-37D633B846F1}">
+                <asvg:svgBlip xmlns:asvg="http://schemas.microsoft.com/office/drawing/2016/SVG/main" r:embed="rId6"/>
+              </a:ext>
+            </a:extLst>
+          </a:blip>
+          <a:stretch>
+            <a:fillRect/>
+          </a:stretch>
+        </p:blipFill>
+        <p:spPr>
+          <a:xfrm>
+            <a:off x="1194187" y="3186069"/>
+            <a:ext cx="914400" cy="914400"/>
+          </a:xfrm>
+          <a:prstGeom prst="rect">
+            <a:avLst/>
+          </a:prstGeom>
+        </p:spPr>
+      </p:pic>
+      <p:pic>
+        <p:nvPicPr>
+          <p:cNvPr id="13" name="Grafik 12" descr="Computer">
+            <a:extLst>
+              <a:ext uri="{FF2B5EF4-FFF2-40B4-BE49-F238E27FC236}">
+                <a16:creationId xmlns:a16="http://schemas.microsoft.com/office/drawing/2014/main" id="{ADD82EE7-888F-49FC-AA60-05BF9A0BCC38}"/>
+              </a:ext>
+            </a:extLst>
+          </p:cNvPr>
+          <p:cNvPicPr>
+            <a:picLocks noChangeAspect="1"/>
+          </p:cNvPicPr>
+          <p:nvPr/>
+        </p:nvPicPr>
+        <p:blipFill>
+          <a:blip r:embed="rId7">
+            <a:extLst>
+              <a:ext uri="{96DAC541-7B7A-43D3-8B79-37D633B846F1}">
+                <asvg:svgBlip xmlns:asvg="http://schemas.microsoft.com/office/drawing/2016/SVG/main" r:embed="rId8"/>
+              </a:ext>
+            </a:extLst>
+          </a:blip>
+          <a:stretch>
+            <a:fillRect/>
+          </a:stretch>
+        </p:blipFill>
+        <p:spPr>
+          <a:xfrm>
+            <a:off x="3294930" y="1756759"/>
+            <a:ext cx="1191936" cy="1191936"/>
+          </a:xfrm>
+          <a:prstGeom prst="rect">
+            <a:avLst/>
+          </a:prstGeom>
+        </p:spPr>
+      </p:pic>
+      <p:pic>
+        <p:nvPicPr>
+          <p:cNvPr id="17" name="Grafik 16" descr="Datenbank">
+            <a:extLst>
+              <a:ext uri="{FF2B5EF4-FFF2-40B4-BE49-F238E27FC236}">
+                <a16:creationId xmlns:a16="http://schemas.microsoft.com/office/drawing/2014/main" id="{F6FCBACB-99D0-4966-98E8-96B9297E5FAB}"/>
+              </a:ext>
+            </a:extLst>
+          </p:cNvPr>
+          <p:cNvPicPr>
+            <a:picLocks noChangeAspect="1"/>
+          </p:cNvPicPr>
+          <p:nvPr/>
+        </p:nvPicPr>
+        <p:blipFill>
+          <a:blip r:embed="rId9">
+            <a:extLst>
+              <a:ext uri="{96DAC541-7B7A-43D3-8B79-37D633B846F1}">
+                <asvg:svgBlip xmlns:asvg="http://schemas.microsoft.com/office/drawing/2016/SVG/main" r:embed="rId10"/>
+              </a:ext>
+            </a:extLst>
+          </a:blip>
+          <a:stretch>
+            <a:fillRect/>
+          </a:stretch>
+        </p:blipFill>
+        <p:spPr>
+          <a:xfrm>
+            <a:off x="9220201" y="1554519"/>
+            <a:ext cx="1367462" cy="1367462"/>
+          </a:xfrm>
+          <a:prstGeom prst="rect">
+            <a:avLst/>
+          </a:prstGeom>
+        </p:spPr>
+      </p:pic>
+      <p:pic>
+        <p:nvPicPr>
+          <p:cNvPr id="19" name="Grafik 18" descr="Zahnräder">
+            <a:extLst>
+              <a:ext uri="{FF2B5EF4-FFF2-40B4-BE49-F238E27FC236}">
+                <a16:creationId xmlns:a16="http://schemas.microsoft.com/office/drawing/2014/main" id="{E686C77A-3EFE-424C-BB59-DF1912136DF5}"/>
+              </a:ext>
+            </a:extLst>
+          </p:cNvPr>
+          <p:cNvPicPr>
+            <a:picLocks noChangeAspect="1"/>
+          </p:cNvPicPr>
+          <p:nvPr/>
+        </p:nvPicPr>
+        <p:blipFill>
+          <a:blip r:embed="rId11">
+            <a:extLst>
+              <a:ext uri="{96DAC541-7B7A-43D3-8B79-37D633B846F1}">
+                <asvg:svgBlip xmlns:asvg="http://schemas.microsoft.com/office/drawing/2016/SVG/main" r:embed="rId12"/>
+              </a:ext>
+            </a:extLst>
+          </a:blip>
+          <a:stretch>
+            <a:fillRect/>
+          </a:stretch>
+        </p:blipFill>
+        <p:spPr>
+          <a:xfrm>
+            <a:off x="6005574" y="1668992"/>
+            <a:ext cx="1252598" cy="1252598"/>
+          </a:xfrm>
+          <a:prstGeom prst="rect">
+            <a:avLst/>
+          </a:prstGeom>
+        </p:spPr>
+      </p:pic>
+      <p:sp>
+        <p:nvSpPr>
+          <p:cNvPr id="25" name="Pfeil: nach rechts 24">
+            <a:extLst>
+              <a:ext uri="{FF2B5EF4-FFF2-40B4-BE49-F238E27FC236}">
+                <a16:creationId xmlns:a16="http://schemas.microsoft.com/office/drawing/2014/main" id="{B43260A3-F1B9-4585-B8A1-AAA1563709EA}"/>
+              </a:ext>
+            </a:extLst>
+          </p:cNvPr>
+          <p:cNvSpPr/>
+          <p:nvPr/>
+        </p:nvSpPr>
+        <p:spPr>
+          <a:xfrm>
+            <a:off x="4683288" y="2094101"/>
+            <a:ext cx="1207422" cy="149242"/>
+          </a:xfrm>
+          <a:prstGeom prst="rightArrow">
+            <a:avLst/>
+          </a:prstGeom>
+        </p:spPr>
+        <p:style>
+          <a:lnRef idx="2">
+            <a:schemeClr val="accent1">
+              <a:shade val="50000"/>
+            </a:schemeClr>
+          </a:lnRef>
+          <a:fillRef idx="1">
+            <a:schemeClr val="accent1"/>
+          </a:fillRef>
+          <a:effectRef idx="0">
+            <a:schemeClr val="accent1"/>
+          </a:effectRef>
+          <a:fontRef idx="minor">
+            <a:schemeClr val="lt1"/>
+          </a:fontRef>
+        </p:style>
+        <p:txBody>
+          <a:bodyPr rtlCol="0" anchor="ctr"/>
+          <a:lstStyle/>
+          <a:p>
+            <a:pPr algn="ctr"/>
+            <a:endParaRPr lang="de-DE"/>
+          </a:p>
+        </p:txBody>
+      </p:sp>
+      <p:sp>
+        <p:nvSpPr>
+          <p:cNvPr id="26" name="Pfeil: nach rechts 25">
+            <a:extLst>
+              <a:ext uri="{FF2B5EF4-FFF2-40B4-BE49-F238E27FC236}">
+                <a16:creationId xmlns:a16="http://schemas.microsoft.com/office/drawing/2014/main" id="{347064ED-7079-4EF4-BC9A-ED818840C13B}"/>
+              </a:ext>
+            </a:extLst>
+          </p:cNvPr>
+          <p:cNvSpPr/>
+          <p:nvPr/>
+        </p:nvSpPr>
+        <p:spPr>
+          <a:xfrm>
+            <a:off x="7342598" y="2067175"/>
+            <a:ext cx="1652385" cy="182750"/>
+          </a:xfrm>
+          <a:prstGeom prst="rightArrow">
+            <a:avLst/>
+          </a:prstGeom>
+        </p:spPr>
+        <p:style>
+          <a:lnRef idx="2">
+            <a:schemeClr val="accent1">
+              <a:shade val="50000"/>
+            </a:schemeClr>
+          </a:lnRef>
+          <a:fillRef idx="1">
+            <a:schemeClr val="accent1"/>
+          </a:fillRef>
+          <a:effectRef idx="0">
+            <a:schemeClr val="accent1"/>
+          </a:effectRef>
+          <a:fontRef idx="minor">
+            <a:schemeClr val="lt1"/>
+          </a:fontRef>
+        </p:style>
+        <p:txBody>
+          <a:bodyPr rtlCol="0" anchor="ctr"/>
+          <a:lstStyle/>
+          <a:p>
+            <a:pPr algn="ctr"/>
+            <a:endParaRPr lang="de-DE"/>
+          </a:p>
+        </p:txBody>
+      </p:sp>
+      <p:sp>
+        <p:nvSpPr>
+          <p:cNvPr id="27" name="Pfeil: nach rechts 26">
+            <a:extLst>
+              <a:ext uri="{FF2B5EF4-FFF2-40B4-BE49-F238E27FC236}">
+                <a16:creationId xmlns:a16="http://schemas.microsoft.com/office/drawing/2014/main" id="{F4EDBFF1-513F-4828-B372-BD0E9A2354BE}"/>
+              </a:ext>
+            </a:extLst>
+          </p:cNvPr>
+          <p:cNvSpPr/>
+          <p:nvPr/>
+        </p:nvSpPr>
+        <p:spPr>
+          <a:xfrm rot="10800000">
+            <a:off x="7342598" y="2428743"/>
+            <a:ext cx="1652385" cy="176169"/>
+          </a:xfrm>
+          <a:prstGeom prst="rightArrow">
+            <a:avLst/>
+          </a:prstGeom>
+        </p:spPr>
+        <p:style>
+          <a:lnRef idx="2">
+            <a:schemeClr val="accent1">
+              <a:shade val="50000"/>
+            </a:schemeClr>
+          </a:lnRef>
+          <a:fillRef idx="1">
+            <a:schemeClr val="accent1"/>
+          </a:fillRef>
+          <a:effectRef idx="0">
+            <a:schemeClr val="accent1"/>
+          </a:effectRef>
+          <a:fontRef idx="minor">
+            <a:schemeClr val="lt1"/>
+          </a:fontRef>
+        </p:style>
+        <p:txBody>
+          <a:bodyPr rtlCol="0" anchor="ctr"/>
+          <a:lstStyle/>
+          <a:p>
+            <a:pPr algn="ctr"/>
+            <a:endParaRPr lang="de-DE"/>
+          </a:p>
+        </p:txBody>
+      </p:sp>
+      <p:sp>
+        <p:nvSpPr>
+          <p:cNvPr id="28" name="Pfeil: nach rechts 27">
+            <a:extLst>
+              <a:ext uri="{FF2B5EF4-FFF2-40B4-BE49-F238E27FC236}">
+                <a16:creationId xmlns:a16="http://schemas.microsoft.com/office/drawing/2014/main" id="{169DF363-44EA-4211-85CE-58AE155ACE45}"/>
+              </a:ext>
+            </a:extLst>
+          </p:cNvPr>
+          <p:cNvSpPr/>
+          <p:nvPr/>
+        </p:nvSpPr>
+        <p:spPr>
+          <a:xfrm rot="10800000">
+            <a:off x="4683288" y="2422161"/>
+            <a:ext cx="1191936" cy="149241"/>
+          </a:xfrm>
+          <a:prstGeom prst="rightArrow">
+            <a:avLst/>
+          </a:prstGeom>
+        </p:spPr>
+        <p:style>
+          <a:lnRef idx="2">
+            <a:schemeClr val="accent1">
+              <a:shade val="50000"/>
+            </a:schemeClr>
+          </a:lnRef>
+          <a:fillRef idx="1">
+            <a:schemeClr val="accent1"/>
+          </a:fillRef>
+          <a:effectRef idx="0">
+            <a:schemeClr val="accent1"/>
+          </a:effectRef>
+          <a:fontRef idx="minor">
+            <a:schemeClr val="lt1"/>
+          </a:fontRef>
+        </p:style>
+        <p:txBody>
+          <a:bodyPr rtlCol="0" anchor="ctr"/>
+          <a:lstStyle/>
+          <a:p>
+            <a:pPr algn="ctr"/>
+            <a:endParaRPr lang="de-DE"/>
+          </a:p>
+        </p:txBody>
+      </p:sp>
+      <p:sp>
+        <p:nvSpPr>
+          <p:cNvPr id="29" name="Pfeil: nach rechts 28">
+            <a:extLst>
+              <a:ext uri="{FF2B5EF4-FFF2-40B4-BE49-F238E27FC236}">
+                <a16:creationId xmlns:a16="http://schemas.microsoft.com/office/drawing/2014/main" id="{3C4B5C6F-C2A8-4581-9048-67DCE6352459}"/>
+              </a:ext>
+            </a:extLst>
+          </p:cNvPr>
+          <p:cNvSpPr/>
+          <p:nvPr/>
+        </p:nvSpPr>
+        <p:spPr>
+          <a:xfrm rot="19727563">
+            <a:off x="1980622" y="3043036"/>
+            <a:ext cx="1280833" cy="146672"/>
+          </a:xfrm>
+          <a:prstGeom prst="rightArrow">
+            <a:avLst/>
+          </a:prstGeom>
+        </p:spPr>
+        <p:style>
+          <a:lnRef idx="2">
+            <a:schemeClr val="accent1">
+              <a:shade val="50000"/>
+            </a:schemeClr>
+          </a:lnRef>
+          <a:fillRef idx="1">
+            <a:schemeClr val="accent1"/>
+          </a:fillRef>
+          <a:effectRef idx="0">
+            <a:schemeClr val="accent1"/>
+          </a:effectRef>
+          <a:fontRef idx="minor">
+            <a:schemeClr val="lt1"/>
+          </a:fontRef>
+        </p:style>
+        <p:txBody>
+          <a:bodyPr rtlCol="0" anchor="ctr"/>
+          <a:lstStyle/>
+          <a:p>
+            <a:pPr algn="ctr"/>
+            <a:endParaRPr lang="de-DE"/>
+          </a:p>
+        </p:txBody>
+      </p:sp>
+      <p:sp>
+        <p:nvSpPr>
+          <p:cNvPr id="30" name="Pfeil: nach rechts 29">
+            <a:extLst>
+              <a:ext uri="{FF2B5EF4-FFF2-40B4-BE49-F238E27FC236}">
+                <a16:creationId xmlns:a16="http://schemas.microsoft.com/office/drawing/2014/main" id="{6E5D3465-AF14-4B9C-A0BE-997BD049236A}"/>
+              </a:ext>
+            </a:extLst>
+          </p:cNvPr>
+          <p:cNvSpPr/>
+          <p:nvPr/>
+        </p:nvSpPr>
+        <p:spPr>
+          <a:xfrm>
+            <a:off x="1718344" y="2317427"/>
+            <a:ext cx="1271652" cy="135139"/>
+          </a:xfrm>
+          <a:prstGeom prst="rightArrow">
+            <a:avLst/>
+          </a:prstGeom>
+        </p:spPr>
+        <p:style>
+          <a:lnRef idx="2">
+            <a:schemeClr val="accent1">
+              <a:shade val="50000"/>
+            </a:schemeClr>
+          </a:lnRef>
+          <a:fillRef idx="1">
+            <a:schemeClr val="accent1"/>
+          </a:fillRef>
+          <a:effectRef idx="0">
+            <a:schemeClr val="accent1"/>
+          </a:effectRef>
+          <a:fontRef idx="minor">
+            <a:schemeClr val="lt1"/>
+          </a:fontRef>
+        </p:style>
+        <p:txBody>
+          <a:bodyPr rtlCol="0" anchor="ctr"/>
+          <a:lstStyle/>
+          <a:p>
+            <a:pPr algn="ctr"/>
+            <a:endParaRPr lang="de-DE"/>
+          </a:p>
+        </p:txBody>
+      </p:sp>
+      <p:sp>
+        <p:nvSpPr>
+          <p:cNvPr id="31" name="Pfeil: nach rechts 30">
+            <a:extLst>
+              <a:ext uri="{FF2B5EF4-FFF2-40B4-BE49-F238E27FC236}">
+                <a16:creationId xmlns:a16="http://schemas.microsoft.com/office/drawing/2014/main" id="{1887BC96-3116-4A17-9718-27036483DBD4}"/>
+              </a:ext>
+            </a:extLst>
+          </p:cNvPr>
+          <p:cNvSpPr/>
+          <p:nvPr/>
+        </p:nvSpPr>
+        <p:spPr>
+          <a:xfrm rot="2210081">
+            <a:off x="2268030" y="1643864"/>
+            <a:ext cx="1001393" cy="124483"/>
+          </a:xfrm>
+          <a:prstGeom prst="rightArrow">
+            <a:avLst/>
+          </a:prstGeom>
+        </p:spPr>
+        <p:style>
+          <a:lnRef idx="2">
+            <a:schemeClr val="accent1">
+              <a:shade val="50000"/>
+            </a:schemeClr>
+          </a:lnRef>
+          <a:fillRef idx="1">
+            <a:schemeClr val="accent1"/>
+          </a:fillRef>
+          <a:effectRef idx="0">
+            <a:schemeClr val="accent1"/>
+          </a:effectRef>
+          <a:fontRef idx="minor">
+            <a:schemeClr val="lt1"/>
+          </a:fontRef>
+        </p:style>
+        <p:txBody>
+          <a:bodyPr rtlCol="0" anchor="ctr"/>
+          <a:lstStyle/>
+          <a:p>
+            <a:pPr algn="ctr"/>
+            <a:endParaRPr lang="de-DE"/>
+          </a:p>
+        </p:txBody>
+      </p:sp>
+      <p:sp>
+        <p:nvSpPr>
+          <p:cNvPr id="32" name="Textfeld 31">
+            <a:extLst>
+              <a:ext uri="{FF2B5EF4-FFF2-40B4-BE49-F238E27FC236}">
+                <a16:creationId xmlns:a16="http://schemas.microsoft.com/office/drawing/2014/main" id="{DAE6C97E-577D-4552-B589-1444679D2960}"/>
+              </a:ext>
+            </a:extLst>
+          </p:cNvPr>
+          <p:cNvSpPr txBox="1"/>
+          <p:nvPr/>
+        </p:nvSpPr>
+        <p:spPr>
+          <a:xfrm>
+            <a:off x="6176530" y="3100408"/>
+            <a:ext cx="1457628" cy="923330"/>
+          </a:xfrm>
+          <a:prstGeom prst="rect">
+            <a:avLst/>
+          </a:prstGeom>
+          <a:noFill/>
+        </p:spPr>
+        <p:txBody>
+          <a:bodyPr wrap="square" rtlCol="0">
+            <a:spAutoFit/>
+          </a:bodyPr>
+          <a:lstStyle/>
+          <a:p>
+            <a:r>
+              <a:rPr lang="de-DE" dirty="0"/>
+              <a:t>Controller</a:t>
+            </a:r>
+          </a:p>
+          <a:p>
+            <a:pPr marL="285750" indent="-285750">
+              <a:buFontTx/>
+              <a:buChar char="-"/>
+            </a:pPr>
+            <a:r>
+              <a:rPr lang="de-DE" dirty="0"/>
+              <a:t>Servlets</a:t>
+            </a:r>
+          </a:p>
+          <a:p>
+            <a:endParaRPr lang="de-DE" dirty="0"/>
+          </a:p>
+        </p:txBody>
+      </p:sp>
+      <p:sp>
+        <p:nvSpPr>
+          <p:cNvPr id="33" name="Textfeld 32">
+            <a:extLst>
+              <a:ext uri="{FF2B5EF4-FFF2-40B4-BE49-F238E27FC236}">
+                <a16:creationId xmlns:a16="http://schemas.microsoft.com/office/drawing/2014/main" id="{6C419ED5-1AA4-4973-BC15-C0D3E66D2910}"/>
+              </a:ext>
+            </a:extLst>
+          </p:cNvPr>
+          <p:cNvSpPr txBox="1"/>
+          <p:nvPr/>
+        </p:nvSpPr>
+        <p:spPr>
+          <a:xfrm>
+            <a:off x="9228029" y="795541"/>
+            <a:ext cx="2894925" cy="646331"/>
+          </a:xfrm>
+          <a:prstGeom prst="rect">
+            <a:avLst/>
+          </a:prstGeom>
+          <a:noFill/>
+        </p:spPr>
+        <p:txBody>
+          <a:bodyPr wrap="square" rtlCol="0">
+            <a:spAutoFit/>
+          </a:bodyPr>
+          <a:lstStyle/>
+          <a:p>
+            <a:r>
+              <a:rPr lang="de-DE" dirty="0"/>
+              <a:t>Model</a:t>
+            </a:r>
+          </a:p>
+          <a:p>
+            <a:r>
+              <a:rPr lang="de-DE" dirty="0"/>
+              <a:t>- Enterprise Java </a:t>
+            </a:r>
+            <a:r>
+              <a:rPr lang="de-DE" dirty="0" err="1"/>
+              <a:t>Beans</a:t>
+            </a:r>
+            <a:endParaRPr lang="de-DE" dirty="0"/>
+          </a:p>
+        </p:txBody>
+      </p:sp>
+      <p:sp>
+        <p:nvSpPr>
+          <p:cNvPr id="34" name="Textfeld 33">
+            <a:extLst>
+              <a:ext uri="{FF2B5EF4-FFF2-40B4-BE49-F238E27FC236}">
+                <a16:creationId xmlns:a16="http://schemas.microsoft.com/office/drawing/2014/main" id="{22F2ACA0-EDA8-4708-963B-DF62131A34FE}"/>
+              </a:ext>
+            </a:extLst>
+          </p:cNvPr>
+          <p:cNvSpPr txBox="1"/>
+          <p:nvPr/>
+        </p:nvSpPr>
+        <p:spPr>
+          <a:xfrm>
+            <a:off x="3145623" y="916291"/>
+            <a:ext cx="2384623" cy="668634"/>
+          </a:xfrm>
+          <a:prstGeom prst="rect">
+            <a:avLst/>
+          </a:prstGeom>
+          <a:noFill/>
+        </p:spPr>
+        <p:txBody>
+          <a:bodyPr wrap="square" rtlCol="0">
+            <a:spAutoFit/>
+          </a:bodyPr>
+          <a:lstStyle/>
+          <a:p>
+            <a:r>
+              <a:rPr lang="de-DE" dirty="0"/>
+              <a:t>View</a:t>
+            </a:r>
+          </a:p>
+          <a:p>
+            <a:r>
+              <a:rPr lang="de-DE" dirty="0"/>
+              <a:t>- Java Server Pages</a:t>
+            </a:r>
+          </a:p>
+        </p:txBody>
+      </p:sp>
+      <p:sp>
+        <p:nvSpPr>
+          <p:cNvPr id="35" name="Textfeld 34">
+            <a:extLst>
+              <a:ext uri="{FF2B5EF4-FFF2-40B4-BE49-F238E27FC236}">
+                <a16:creationId xmlns:a16="http://schemas.microsoft.com/office/drawing/2014/main" id="{6A7FD5AD-735E-4F05-9A30-20DF4A3F8A17}"/>
+              </a:ext>
+            </a:extLst>
+          </p:cNvPr>
+          <p:cNvSpPr txBox="1"/>
+          <p:nvPr/>
+        </p:nvSpPr>
+        <p:spPr>
+          <a:xfrm>
+            <a:off x="302092" y="670342"/>
+            <a:ext cx="1029134" cy="369332"/>
+          </a:xfrm>
+          <a:prstGeom prst="rect">
+            <a:avLst/>
+          </a:prstGeom>
+          <a:noFill/>
+        </p:spPr>
+        <p:txBody>
+          <a:bodyPr wrap="square" rtlCol="0">
+            <a:spAutoFit/>
+          </a:bodyPr>
+          <a:lstStyle/>
+          <a:p>
+            <a:r>
+              <a:rPr lang="de-DE" dirty="0"/>
+              <a:t>Nutzer</a:t>
+            </a:r>
+          </a:p>
+        </p:txBody>
+      </p:sp>
+    </p:spTree>
+    <p:extLst>
+      <p:ext uri="{BB962C8B-B14F-4D97-AF65-F5344CB8AC3E}">
+        <p14:creationId xmlns:p14="http://schemas.microsoft.com/office/powerpoint/2010/main" val="2766168185"/>
+      </p:ext>
+    </p:extLst>
+  </p:cSld>
+  <p:clrMapOvr>
+    <a:masterClrMapping/>
+  </p:clrMapOvr>
+</p:sld>
+</file>
+
+<file path=ppt/slides/slide7.xml><?xml version="1.0" encoding="utf-8"?>
+<p:sld xmlns:a="http://schemas.openxmlformats.org/drawingml/2006/main" xmlns:r="http://schemas.openxmlformats.org/officeDocument/2006/relationships" xmlns:p="http://schemas.openxmlformats.org/presentationml/2006/main">
+  <p:cSld>
+    <p:spTree>
+      <p:nvGrpSpPr>
+        <p:cNvPr id="1" name=""/>
+        <p:cNvGrpSpPr/>
+        <p:nvPr/>
+      </p:nvGrpSpPr>
+      <p:grpSpPr>
+        <a:xfrm>
+          <a:off x="0" y="0"/>
+          <a:ext cx="0" cy="0"/>
+          <a:chOff x="0" y="0"/>
+          <a:chExt cx="0" cy="0"/>
+        </a:xfrm>
+      </p:grpSpPr>
+      <p:sp>
+        <p:nvSpPr>
+          <p:cNvPr id="4" name="Titel 3">
+            <a:extLst>
+              <a:ext uri="{FF2B5EF4-FFF2-40B4-BE49-F238E27FC236}">
+                <a16:creationId xmlns:a16="http://schemas.microsoft.com/office/drawing/2014/main" id="{84C68109-468E-4320-A347-CD61565ABD8B}"/>
+              </a:ext>
+            </a:extLst>
+          </p:cNvPr>
+          <p:cNvSpPr>
+            <a:spLocks noGrp="1"/>
+          </p:cNvSpPr>
+          <p:nvPr>
+            <p:ph type="title"/>
+          </p:nvPr>
+        </p:nvSpPr>
+        <p:spPr>
+          <a:xfrm>
+            <a:off x="684212" y="3429000"/>
+            <a:ext cx="8534400" cy="1697400"/>
+          </a:xfrm>
+        </p:spPr>
+        <p:txBody>
+          <a:bodyPr/>
+          <a:lstStyle/>
+          <a:p>
+            <a:r>
+              <a:rPr lang="de-DE" dirty="0"/>
+              <a:t>Datenbank</a:t>
+            </a:r>
+          </a:p>
+        </p:txBody>
+      </p:sp>
+      <p:sp>
+        <p:nvSpPr>
+          <p:cNvPr id="5" name="Textplatzhalter 4">
+            <a:extLst>
+              <a:ext uri="{FF2B5EF4-FFF2-40B4-BE49-F238E27FC236}">
+                <a16:creationId xmlns:a16="http://schemas.microsoft.com/office/drawing/2014/main" id="{E127A5F6-278C-46F5-B682-739817FF04BE}"/>
+              </a:ext>
+            </a:extLst>
+          </p:cNvPr>
+          <p:cNvSpPr>
+            <a:spLocks noGrp="1"/>
+          </p:cNvSpPr>
+          <p:nvPr>
+            <p:ph type="body" idx="1"/>
+          </p:nvPr>
+        </p:nvSpPr>
         <p:spPr>
           <a:xfrm>
             <a:off x="630635" y="5014938"/>
@@ -10603,7 +11466,7 @@
           <a:p>
             <a:r>
               <a:rPr lang="de-DE" b="1" dirty="0"/>
-              <a:t>Dominik Kunzmann / IT-Architekt</a:t>
+              <a:t>Benjamin Kanzler / Datenbank-Administrator</a:t>
             </a:r>
           </a:p>
         </p:txBody>
@@ -10726,172 +11589,18 @@
             <a:fld id="{D57F1E4F-1CFF-5643-939E-217C01CDF565}" type="slidenum">
               <a:rPr lang="en-US" smtClean="0"/>
               <a:pPr/>
-              <a:t>6</a:t>
+              <a:t>7</a:t>
             </a:fld>
             <a:endParaRPr lang="en-US" dirty="0"/>
           </a:p>
         </p:txBody>
       </p:sp>
-    </p:spTree>
-    <p:extLst>
-      <p:ext uri="{BB962C8B-B14F-4D97-AF65-F5344CB8AC3E}">
-        <p14:creationId xmlns:p14="http://schemas.microsoft.com/office/powerpoint/2010/main" val="3681775119"/>
-      </p:ext>
-    </p:extLst>
-  </p:cSld>
-  <p:clrMapOvr>
-    <a:masterClrMapping/>
-  </p:clrMapOvr>
-</p:sld>
-</file>
-
-<file path=ppt/slides/slide7.xml><?xml version="1.0" encoding="utf-8"?>
-<p:sld xmlns:a="http://schemas.openxmlformats.org/drawingml/2006/main" xmlns:r="http://schemas.openxmlformats.org/officeDocument/2006/relationships" xmlns:p="http://schemas.openxmlformats.org/presentationml/2006/main">
-  <p:cSld>
-    <p:spTree>
-      <p:nvGrpSpPr>
-        <p:cNvPr id="1" name=""/>
-        <p:cNvGrpSpPr/>
-        <p:nvPr/>
-      </p:nvGrpSpPr>
-      <p:grpSpPr>
-        <a:xfrm>
-          <a:off x="0" y="0"/>
-          <a:ext cx="0" cy="0"/>
-          <a:chOff x="0" y="0"/>
-          <a:chExt cx="0" cy="0"/>
-        </a:xfrm>
-      </p:grpSpPr>
-      <p:sp>
-        <p:nvSpPr>
-          <p:cNvPr id="4" name="Titel 3">
+      <p:pic>
+        <p:nvPicPr>
+          <p:cNvPr id="8" name="Grafik 7">
             <a:extLst>
               <a:ext uri="{FF2B5EF4-FFF2-40B4-BE49-F238E27FC236}">
-                <a16:creationId xmlns:a16="http://schemas.microsoft.com/office/drawing/2014/main" id="{84C68109-468E-4320-A347-CD61565ABD8B}"/>
-              </a:ext>
-            </a:extLst>
-          </p:cNvPr>
-          <p:cNvSpPr>
-            <a:spLocks noGrp="1"/>
-          </p:cNvSpPr>
-          <p:nvPr>
-            <p:ph type="title"/>
-          </p:nvPr>
-        </p:nvSpPr>
-        <p:spPr>
-          <a:xfrm>
-            <a:off x="684212" y="3429000"/>
-            <a:ext cx="8534400" cy="1697400"/>
-          </a:xfrm>
-        </p:spPr>
-        <p:txBody>
-          <a:bodyPr/>
-          <a:lstStyle/>
-          <a:p>
-            <a:r>
-              <a:rPr lang="de-DE" dirty="0"/>
-              <a:t>Datenbank</a:t>
-            </a:r>
-          </a:p>
-        </p:txBody>
-      </p:sp>
-      <p:sp>
-        <p:nvSpPr>
-          <p:cNvPr id="5" name="Textplatzhalter 4">
-            <a:extLst>
-              <a:ext uri="{FF2B5EF4-FFF2-40B4-BE49-F238E27FC236}">
-                <a16:creationId xmlns:a16="http://schemas.microsoft.com/office/drawing/2014/main" id="{E127A5F6-278C-46F5-B682-739817FF04BE}"/>
-              </a:ext>
-            </a:extLst>
-          </p:cNvPr>
-          <p:cNvSpPr>
-            <a:spLocks noGrp="1"/>
-          </p:cNvSpPr>
-          <p:nvPr>
-            <p:ph type="body" idx="1"/>
-          </p:nvPr>
-        </p:nvSpPr>
-        <p:spPr>
-          <a:xfrm>
-            <a:off x="630635" y="5014938"/>
-            <a:ext cx="8535990" cy="860400"/>
-          </a:xfrm>
-        </p:spPr>
-        <p:txBody>
-          <a:bodyPr/>
-          <a:lstStyle/>
-          <a:p>
-            <a:r>
-              <a:rPr lang="de-DE" b="1" dirty="0"/>
-              <a:t>Benjamin Kanzler / Datenbank-Administrator</a:t>
-            </a:r>
-          </a:p>
-        </p:txBody>
-      </p:sp>
-      <p:sp>
-        <p:nvSpPr>
-          <p:cNvPr id="2" name="Fußzeilenplatzhalter 1">
-            <a:extLst>
-              <a:ext uri="{FF2B5EF4-FFF2-40B4-BE49-F238E27FC236}">
-                <a16:creationId xmlns:a16="http://schemas.microsoft.com/office/drawing/2014/main" id="{93F4C4E6-EE12-43F8-B0EA-3874A5CB4BA5}"/>
-              </a:ext>
-            </a:extLst>
-          </p:cNvPr>
-          <p:cNvSpPr>
-            <a:spLocks noGrp="1"/>
-          </p:cNvSpPr>
-          <p:nvPr>
-            <p:ph type="ftr" sz="quarter" idx="11"/>
-          </p:nvPr>
-        </p:nvSpPr>
-        <p:spPr/>
-        <p:txBody>
-          <a:bodyPr/>
-          <a:lstStyle/>
-          <a:p>
-            <a:r>
-              <a:rPr lang="en-US"/>
-              <a:t>KA-Share</a:t>
-            </a:r>
-            <a:endParaRPr lang="en-US" dirty="0"/>
-          </a:p>
-        </p:txBody>
-      </p:sp>
-      <p:sp>
-        <p:nvSpPr>
-          <p:cNvPr id="3" name="Datumsplatzhalter 2">
-            <a:extLst>
-              <a:ext uri="{FF2B5EF4-FFF2-40B4-BE49-F238E27FC236}">
-                <a16:creationId xmlns:a16="http://schemas.microsoft.com/office/drawing/2014/main" id="{A1B06358-FD9F-4C24-83DE-05707AC93AA6}"/>
-              </a:ext>
-            </a:extLst>
-          </p:cNvPr>
-          <p:cNvSpPr>
-            <a:spLocks noGrp="1"/>
-          </p:cNvSpPr>
-          <p:nvPr>
-            <p:ph type="dt" sz="half" idx="10"/>
-          </p:nvPr>
-        </p:nvSpPr>
-        <p:spPr/>
-        <p:txBody>
-          <a:bodyPr/>
-          <a:lstStyle/>
-          <a:p>
-            <a:r>
-              <a:rPr lang="de-DE" dirty="0"/>
-              <a:t>25.03.2019</a:t>
-            </a:r>
-            <a:endParaRPr lang="en-US" dirty="0"/>
-          </a:p>
-        </p:txBody>
-      </p:sp>
-      <p:pic>
-        <p:nvPicPr>
-          <p:cNvPr id="6" name="Grafik 5" descr="Auto">
-            <a:extLst>
-              <a:ext uri="{FF2B5EF4-FFF2-40B4-BE49-F238E27FC236}">
-                <a16:creationId xmlns:a16="http://schemas.microsoft.com/office/drawing/2014/main" id="{DF950C70-F545-45FB-93F4-9D3A19FC2DDF}"/>
+                <a16:creationId xmlns:a16="http://schemas.microsoft.com/office/drawing/2014/main" id="{41C48761-9D71-4D51-B97E-BA3FE5064957}"/>
               </a:ext>
             </a:extLst>
           </p:cNvPr>
@@ -10901,57 +11610,21 @@
           <p:nvPr/>
         </p:nvPicPr>
         <p:blipFill>
-          <a:blip r:embed="rId3">
-            <a:extLst>
-              <a:ext uri="{96DAC541-7B7A-43D3-8B79-37D633B846F1}">
-                <asvg:svgBlip xmlns:asvg="http://schemas.microsoft.com/office/drawing/2016/SVG/main" r:embed="rId4"/>
-              </a:ext>
-            </a:extLst>
-          </a:blip>
+          <a:blip r:embed="rId5"/>
           <a:stretch>
             <a:fillRect/>
           </a:stretch>
         </p:blipFill>
         <p:spPr>
-          <a:xfrm rot="18952507">
-            <a:off x="10890173" y="2415118"/>
-            <a:ext cx="1228875" cy="1228875"/>
+          <a:xfrm>
+            <a:off x="684211" y="444307"/>
+            <a:ext cx="8801319" cy="3864206"/>
           </a:xfrm>
           <a:prstGeom prst="rect">
             <a:avLst/>
           </a:prstGeom>
         </p:spPr>
       </p:pic>
-      <p:sp>
-        <p:nvSpPr>
-          <p:cNvPr id="7" name="Foliennummernplatzhalter 6">
-            <a:extLst>
-              <a:ext uri="{FF2B5EF4-FFF2-40B4-BE49-F238E27FC236}">
-                <a16:creationId xmlns:a16="http://schemas.microsoft.com/office/drawing/2014/main" id="{D1DAF236-19B4-4482-AFE0-330E4A812430}"/>
-              </a:ext>
-            </a:extLst>
-          </p:cNvPr>
-          <p:cNvSpPr>
-            <a:spLocks noGrp="1"/>
-          </p:cNvSpPr>
-          <p:nvPr>
-            <p:ph type="sldNum" sz="quarter" idx="12"/>
-          </p:nvPr>
-        </p:nvSpPr>
-        <p:spPr/>
-        <p:txBody>
-          <a:bodyPr/>
-          <a:lstStyle/>
-          <a:p>
-            <a:fld id="{D57F1E4F-1CFF-5643-939E-217C01CDF565}" type="slidenum">
-              <a:rPr lang="en-US" smtClean="0"/>
-              <a:pPr/>
-              <a:t>7</a:t>
-            </a:fld>
-            <a:endParaRPr lang="en-US" dirty="0"/>
-          </a:p>
-        </p:txBody>
-      </p:sp>
     </p:spTree>
     <p:extLst>
       <p:ext uri="{BB962C8B-B14F-4D97-AF65-F5344CB8AC3E}">

--- a/Präsentation/Endpräsentation.pptx
+++ b/Präsentation/Endpräsentation.pptx
@@ -11617,7 +11617,7 @@
         </p:blipFill>
         <p:spPr>
           <a:xfrm>
-            <a:off x="684211" y="444307"/>
+            <a:off x="684210" y="476565"/>
             <a:ext cx="8801319" cy="3864206"/>
           </a:xfrm>
           <a:prstGeom prst="rect">
@@ -11625,6 +11625,100 @@
           </a:prstGeom>
         </p:spPr>
       </p:pic>
+      <p:sp>
+        <p:nvSpPr>
+          <p:cNvPr id="9" name="Rechteck: eine Ecke abgeschnitten 8">
+            <a:extLst>
+              <a:ext uri="{FF2B5EF4-FFF2-40B4-BE49-F238E27FC236}">
+                <a16:creationId xmlns:a16="http://schemas.microsoft.com/office/drawing/2014/main" id="{408E0297-8FC7-41D2-B022-1BE98342624F}"/>
+              </a:ext>
+            </a:extLst>
+          </p:cNvPr>
+          <p:cNvSpPr/>
+          <p:nvPr/>
+        </p:nvSpPr>
+        <p:spPr>
+          <a:xfrm>
+            <a:off x="6096000" y="1683848"/>
+            <a:ext cx="1222625" cy="538355"/>
+          </a:xfrm>
+          <a:prstGeom prst="snip1Rect">
+            <a:avLst/>
+          </a:prstGeom>
+        </p:spPr>
+        <p:style>
+          <a:lnRef idx="2">
+            <a:schemeClr val="accent5"/>
+          </a:lnRef>
+          <a:fillRef idx="1">
+            <a:schemeClr val="lt1"/>
+          </a:fillRef>
+          <a:effectRef idx="0">
+            <a:schemeClr val="accent5"/>
+          </a:effectRef>
+          <a:fontRef idx="minor">
+            <a:schemeClr val="dk1"/>
+          </a:fontRef>
+        </p:style>
+        <p:txBody>
+          <a:bodyPr rtlCol="0" anchor="ctr"/>
+          <a:lstStyle/>
+          <a:p>
+            <a:pPr algn="ctr"/>
+            <a:r>
+              <a:rPr lang="de-DE" sz="1050" dirty="0"/>
+              <a:t>Tabelle in Buchung umbenannt</a:t>
+            </a:r>
+          </a:p>
+        </p:txBody>
+      </p:sp>
+      <p:sp>
+        <p:nvSpPr>
+          <p:cNvPr id="10" name="Rechteck: eine Ecke abgeschnitten 9">
+            <a:extLst>
+              <a:ext uri="{FF2B5EF4-FFF2-40B4-BE49-F238E27FC236}">
+                <a16:creationId xmlns:a16="http://schemas.microsoft.com/office/drawing/2014/main" id="{C18538EC-CB6D-480E-9057-0EF56180055F}"/>
+              </a:ext>
+            </a:extLst>
+          </p:cNvPr>
+          <p:cNvSpPr/>
+          <p:nvPr/>
+        </p:nvSpPr>
+        <p:spPr>
+          <a:xfrm>
+            <a:off x="3863084" y="2383200"/>
+            <a:ext cx="1533843" cy="578103"/>
+          </a:xfrm>
+          <a:prstGeom prst="snip1Rect">
+            <a:avLst/>
+          </a:prstGeom>
+        </p:spPr>
+        <p:style>
+          <a:lnRef idx="2">
+            <a:schemeClr val="accent5"/>
+          </a:lnRef>
+          <a:fillRef idx="1">
+            <a:schemeClr val="lt1"/>
+          </a:fillRef>
+          <a:effectRef idx="0">
+            <a:schemeClr val="accent5"/>
+          </a:effectRef>
+          <a:fontRef idx="minor">
+            <a:schemeClr val="dk1"/>
+          </a:fontRef>
+        </p:style>
+        <p:txBody>
+          <a:bodyPr rtlCol="0" anchor="ctr"/>
+          <a:lstStyle/>
+          <a:p>
+            <a:pPr algn="ctr"/>
+            <a:r>
+              <a:rPr lang="de-DE" sz="1050" dirty="0"/>
+              <a:t>Generisch für Mitarbeiter und Kunde</a:t>
+            </a:r>
+          </a:p>
+        </p:txBody>
+      </p:sp>
     </p:spTree>
     <p:extLst>
       <p:ext uri="{BB962C8B-B14F-4D97-AF65-F5344CB8AC3E}">

--- a/Präsentation/Endpräsentation.pptx
+++ b/Präsentation/Endpräsentation.pptx
@@ -9282,36 +9282,6 @@
       </p:sp>
       <p:pic>
         <p:nvPicPr>
-          <p:cNvPr id="36" name="Grafik 35">
-            <a:extLst>
-              <a:ext uri="{FF2B5EF4-FFF2-40B4-BE49-F238E27FC236}">
-                <a16:creationId xmlns:a16="http://schemas.microsoft.com/office/drawing/2014/main" id="{D064A805-69FB-4CC2-A9A5-202496FE3A61}"/>
-              </a:ext>
-            </a:extLst>
-          </p:cNvPr>
-          <p:cNvPicPr>
-            <a:picLocks noChangeAspect="1"/>
-          </p:cNvPicPr>
-          <p:nvPr/>
-        </p:nvPicPr>
-        <p:blipFill>
-          <a:blip r:embed="rId5"/>
-          <a:stretch>
-            <a:fillRect/>
-          </a:stretch>
-        </p:blipFill>
-        <p:spPr>
-          <a:xfrm>
-            <a:off x="0" y="1689100"/>
-            <a:ext cx="12215696" cy="4483100"/>
-          </a:xfrm>
-          <a:prstGeom prst="rect">
-            <a:avLst/>
-          </a:prstGeom>
-        </p:spPr>
-      </p:pic>
-      <p:pic>
-        <p:nvPicPr>
           <p:cNvPr id="10" name="Grafik 9" descr="Tabelle">
             <a:extLst>
               <a:ext uri="{FF2B5EF4-FFF2-40B4-BE49-F238E27FC236}">
@@ -9325,10 +9295,10 @@
           <p:nvPr/>
         </p:nvPicPr>
         <p:blipFill>
-          <a:blip r:embed="rId6">
+          <a:blip r:embed="rId5">
             <a:extLst>
               <a:ext uri="{96DAC541-7B7A-43D3-8B79-37D633B846F1}">
-                <asvg:svgBlip xmlns:asvg="http://schemas.microsoft.com/office/drawing/2016/SVG/main" r:embed="rId7"/>
+                <asvg:svgBlip xmlns:asvg="http://schemas.microsoft.com/office/drawing/2016/SVG/main" r:embed="rId6"/>
               </a:ext>
             </a:extLst>
           </a:blip>
@@ -9340,6 +9310,36 @@
           <a:xfrm>
             <a:off x="10934322" y="186808"/>
             <a:ext cx="914400" cy="914400"/>
+          </a:xfrm>
+          <a:prstGeom prst="rect">
+            <a:avLst/>
+          </a:prstGeom>
+        </p:spPr>
+      </p:pic>
+      <p:pic>
+        <p:nvPicPr>
+          <p:cNvPr id="9" name="Grafik 8">
+            <a:extLst>
+              <a:ext uri="{FF2B5EF4-FFF2-40B4-BE49-F238E27FC236}">
+                <a16:creationId xmlns:a16="http://schemas.microsoft.com/office/drawing/2014/main" id="{124643D6-F775-4DAE-9280-7C9EE65BF61D}"/>
+              </a:ext>
+            </a:extLst>
+          </p:cNvPr>
+          <p:cNvPicPr>
+            <a:picLocks noChangeAspect="1"/>
+          </p:cNvPicPr>
+          <p:nvPr/>
+        </p:nvPicPr>
+        <p:blipFill>
+          <a:blip r:embed="rId7"/>
+          <a:stretch>
+            <a:fillRect/>
+          </a:stretch>
+        </p:blipFill>
+        <p:spPr>
+          <a:xfrm>
+            <a:off x="0" y="1743170"/>
+            <a:ext cx="12191999" cy="4467068"/>
           </a:xfrm>
           <a:prstGeom prst="rect">
             <a:avLst/>
